--- a/Data_Science_Project_MKS.pptx
+++ b/Data_Science_Project_MKS.pptx
@@ -12,6 +12,7 @@
     <p:sldId id="260" r:id="rId6"/>
     <p:sldId id="261" r:id="rId7"/>
     <p:sldId id="262" r:id="rId8"/>
+    <p:sldId id="263" r:id="rId9"/>
   </p:sldIdLst>
   <p:sldSz cx="9144000" cy="6858000" type="screen4x3"/>
   <p:notesSz cx="6858000" cy="9144000"/>
@@ -3280,6 +3281,12 @@
               <a:t>Data include energy costs and usage for heating, cooling, appliances and other end uses.</a:t>
             </a:r>
           </a:p>
+          <a:p>
+            <a:r>
+              <a:rPr lang="en-US" sz="2500" dirty="0"/>
+              <a:t>This data is used by federal government for policy making purposed and it is also open to public for further research and analysis</a:t>
+            </a:r>
+          </a:p>
         </p:txBody>
       </p:sp>
     </p:spTree>
@@ -3384,13 +3391,31 @@
           <a:p>
             <a:r>
               <a:rPr lang="en-US" sz="2500" dirty="0"/>
-              <a:t>According to the most recent results from EIA’s Residential Energy Consumption Survey (RECS), about one in five households reported reducing or forgoing necessities such as food and medicine to pay an energy bill, and 14% reported receiving a disconnection notice for energy service. </a:t>
+              <a:t>According to the most recent results from EIA’s Residential Energy Consumption Survey (RECS), </a:t>
+            </a:r>
+            <a:r>
+              <a:rPr lang="en-US" sz="2500" dirty="0">
+                <a:solidFill>
+                  <a:srgbClr val="FF0000"/>
+                </a:solidFill>
+              </a:rPr>
+              <a:t>about one in five households reported reducing or forgoing necessities such as food and medicine to pay an energy bill, and 14% reported receiving a disconnection notice for energy service</a:t>
+            </a:r>
+            <a:r>
+              <a:rPr lang="en-US" sz="2500" dirty="0"/>
+              <a:t>. </a:t>
             </a:r>
           </a:p>
           <a:p>
             <a:r>
               <a:rPr lang="en-US" sz="2500" dirty="0"/>
               <a:t>Households may also use less energy than they would prefer; 11% of households surveyed reported keeping their home at an unhealthy or unsafe temperature.</a:t>
+            </a:r>
+          </a:p>
+          <a:p>
+            <a:r>
+              <a:rPr lang="en-US" sz="2500" dirty="0"/>
+              <a:t>So policy makers and business people need to come together to tack this issue which is mostly out of public eye</a:t>
             </a:r>
           </a:p>
         </p:txBody>
@@ -3486,7 +3511,7 @@
         </p:spPr>
         <p:txBody>
           <a:bodyPr>
-            <a:normAutofit lnSpcReduction="10000"/>
+            <a:normAutofit fontScale="92500" lnSpcReduction="20000"/>
           </a:bodyPr>
           <a:lstStyle/>
           <a:p>
@@ -3506,7 +3531,7 @@
             <a:pPr lvl="1"/>
             <a:r>
               <a:rPr lang="en-US" sz="2100" dirty="0"/>
-              <a:t>Analyze energy use pattern, identify high energy and low energy consumption appliances, and </a:t>
+              <a:t>Analyze energy use pattern, identify high energy and low energy consumption appliances</a:t>
             </a:r>
           </a:p>
           <a:p>
@@ -3519,14 +3544,22 @@
             <a:pPr lvl="1"/>
             <a:r>
               <a:rPr lang="en-US" sz="2100" dirty="0"/>
-              <a:t>Change the energy use behavior by avoiding certain appliances and using others at a certain time of the day. </a:t>
+              <a:t>Change the energy use behavior e.g. by avoiding certain appliances and using others at a certain time of the day, using more energy in off pick hour etc.</a:t>
             </a:r>
           </a:p>
           <a:p>
             <a:pPr lvl="1"/>
             <a:r>
               <a:rPr lang="en-US" sz="2100" dirty="0"/>
-              <a:t>Possible use of alternative source of energy like wind or solar and determine probable size of system based on house hold load. </a:t>
+              <a:t>Possible use of alternative source of energy like wind or solar and determine probable size of system based on house hold load, </a:t>
+            </a:r>
+            <a:r>
+              <a:rPr lang="en-US" sz="2100" dirty="0" err="1"/>
+              <a:t>usisng</a:t>
+            </a:r>
+            <a:r>
+              <a:rPr lang="en-US" sz="2100" dirty="0"/>
+              <a:t> energy efficient appliances</a:t>
             </a:r>
           </a:p>
           <a:p>
@@ -3539,22 +3572,14 @@
             <a:pPr lvl="1"/>
             <a:r>
               <a:rPr lang="en-US" sz="2100" dirty="0"/>
-              <a:t>Federal agencies like DOE to get incentives </a:t>
-            </a:r>
-            <a:r>
-              <a:rPr lang="en-US" sz="2100" dirty="0" err="1"/>
-              <a:t>ofr</a:t>
-            </a:r>
+              <a:t>Federal agencies like DOE to get incentives for improved energy efficient home/appliances</a:t>
+            </a:r>
+          </a:p>
+          <a:p>
+            <a:pPr lvl="1"/>
             <a:r>
               <a:rPr lang="en-US" sz="2100" dirty="0"/>
-              <a:t> improved energy efficient home</a:t>
-            </a:r>
-          </a:p>
-          <a:p>
-            <a:pPr lvl="1"/>
-            <a:r>
-              <a:rPr lang="en-US" sz="2100" dirty="0"/>
-              <a:t>Business organizations to get necessary services regarding wind or solar with an affordable cost or federal/state subsidy. </a:t>
+              <a:t>Business organizations to get necessary services regarding alternative energy e.g. wind or solar with an affordable cost or federal/state subsidy, energy management system</a:t>
             </a:r>
           </a:p>
           <a:p>
@@ -3671,7 +3696,7 @@
           <a:p>
             <a:r>
               <a:rPr lang="en-US" sz="2500" dirty="0"/>
-              <a:t>Improved and healthy life style</a:t>
+              <a:t>Most of all improved and healthy life style</a:t>
             </a:r>
           </a:p>
           <a:p>
@@ -3803,12 +3828,141 @@
           <a:p>
             <a:endParaRPr lang="en-US" sz="2500" dirty="0"/>
           </a:p>
+          <a:p>
+            <a:r>
+              <a:rPr lang="en-US" sz="2400" dirty="0">
+                <a:hlinkClick r:id="rId2"/>
+              </a:rPr>
+              <a:t>https://github.com/mksiddiki/Data-Science-Project/blob/master/Data_Science_Project_MKS.pptx</a:t>
+            </a:r>
+            <a:endParaRPr lang="en-US" sz="2500" dirty="0"/>
+          </a:p>
+          <a:p>
+            <a:endParaRPr lang="en-US" sz="2500" dirty="0"/>
+          </a:p>
         </p:txBody>
       </p:sp>
     </p:spTree>
     <p:extLst>
       <p:ext uri="{BB962C8B-B14F-4D97-AF65-F5344CB8AC3E}">
         <p14:creationId xmlns:p14="http://schemas.microsoft.com/office/powerpoint/2010/main" val="3522674882"/>
+      </p:ext>
+    </p:extLst>
+  </p:cSld>
+  <p:clrMapOvr>
+    <a:masterClrMapping/>
+  </p:clrMapOvr>
+</p:sld>
+</file>
+
+<file path=ppt/slides/slide8.xml><?xml version="1.0" encoding="utf-8"?>
+<p:sld xmlns:a="http://schemas.openxmlformats.org/drawingml/2006/main" xmlns:r="http://schemas.openxmlformats.org/officeDocument/2006/relationships" xmlns:p="http://schemas.openxmlformats.org/presentationml/2006/main">
+  <p:cSld>
+    <p:spTree>
+      <p:nvGrpSpPr>
+        <p:cNvPr id="1" name=""/>
+        <p:cNvGrpSpPr/>
+        <p:nvPr/>
+      </p:nvGrpSpPr>
+      <p:grpSpPr>
+        <a:xfrm>
+          <a:off x="0" y="0"/>
+          <a:ext cx="0" cy="0"/>
+          <a:chOff x="0" y="0"/>
+          <a:chExt cx="0" cy="0"/>
+        </a:xfrm>
+      </p:grpSpPr>
+      <p:sp>
+        <p:nvSpPr>
+          <p:cNvPr id="2" name="Title 1">
+            <a:extLst>
+              <a:ext uri="{FF2B5EF4-FFF2-40B4-BE49-F238E27FC236}">
+                <a16:creationId xmlns:a16="http://schemas.microsoft.com/office/drawing/2014/main" id="{A6D0E8E2-5E33-4FC9-86F1-1618BF93154E}"/>
+              </a:ext>
+            </a:extLst>
+          </p:cNvPr>
+          <p:cNvSpPr>
+            <a:spLocks noGrp="1"/>
+          </p:cNvSpPr>
+          <p:nvPr>
+            <p:ph type="title"/>
+          </p:nvPr>
+        </p:nvSpPr>
+        <p:spPr>
+          <a:xfrm>
+            <a:off x="184245" y="153583"/>
+            <a:ext cx="8755039" cy="870000"/>
+          </a:xfrm>
+        </p:spPr>
+        <p:txBody>
+          <a:bodyPr>
+            <a:normAutofit/>
+          </a:bodyPr>
+          <a:lstStyle/>
+          <a:p>
+            <a:pPr algn="ctr"/>
+            <a:r>
+              <a:rPr lang="en-US" sz="3600" dirty="0"/>
+              <a:t>Important links</a:t>
+            </a:r>
+            <a:endParaRPr lang="en-US" sz="3500" dirty="0"/>
+          </a:p>
+        </p:txBody>
+      </p:sp>
+      <p:sp>
+        <p:nvSpPr>
+          <p:cNvPr id="3" name="Content Placeholder 2">
+            <a:extLst>
+              <a:ext uri="{FF2B5EF4-FFF2-40B4-BE49-F238E27FC236}">
+                <a16:creationId xmlns:a16="http://schemas.microsoft.com/office/drawing/2014/main" id="{5E2CC16B-8E8A-4CF7-B613-C20BA79975CA}"/>
+              </a:ext>
+            </a:extLst>
+          </p:cNvPr>
+          <p:cNvSpPr>
+            <a:spLocks noGrp="1"/>
+          </p:cNvSpPr>
+          <p:nvPr>
+            <p:ph idx="1"/>
+          </p:nvPr>
+        </p:nvSpPr>
+        <p:spPr>
+          <a:xfrm>
+            <a:off x="184245" y="1337481"/>
+            <a:ext cx="8755039" cy="5022375"/>
+          </a:xfrm>
+        </p:spPr>
+        <p:txBody>
+          <a:bodyPr>
+            <a:normAutofit/>
+          </a:bodyPr>
+          <a:lstStyle/>
+          <a:p>
+            <a:endParaRPr lang="en-US" sz="2500" dirty="0"/>
+          </a:p>
+          <a:p>
+            <a:r>
+              <a:rPr lang="en-US" sz="2500" dirty="0"/>
+              <a:t>https://www.eia.gov/consumption/residential/data/2015/index.php?view=microdata</a:t>
+            </a:r>
+          </a:p>
+          <a:p>
+            <a:r>
+              <a:rPr lang="en-US" sz="2400" dirty="0">
+                <a:hlinkClick r:id="rId2"/>
+              </a:rPr>
+              <a:t>https://github.com/mksiddiki/Data-Science-Project/blob/master/Data_Science_Project_MKS.pptx</a:t>
+            </a:r>
+            <a:endParaRPr lang="en-US" sz="2500" dirty="0"/>
+          </a:p>
+          <a:p>
+            <a:endParaRPr lang="en-US" sz="2500" dirty="0"/>
+          </a:p>
+        </p:txBody>
+      </p:sp>
+    </p:spTree>
+    <p:extLst>
+      <p:ext uri="{BB962C8B-B14F-4D97-AF65-F5344CB8AC3E}">
+        <p14:creationId xmlns:p14="http://schemas.microsoft.com/office/powerpoint/2010/main" val="600324213"/>
       </p:ext>
     </p:extLst>
   </p:cSld>
